--- a/Apostila.pptx
+++ b/Apostila.pptx
@@ -5,10 +5,10 @@
     <p:sldMasterId id="2147483669" r:id="rId1"/>
   </p:sldMasterIdLst>
   <p:notesMasterIdLst>
-    <p:notesMasterId r:id="rId36"/>
+    <p:notesMasterId r:id="rId37"/>
   </p:notesMasterIdLst>
   <p:handoutMasterIdLst>
-    <p:handoutMasterId r:id="rId37"/>
+    <p:handoutMasterId r:id="rId38"/>
   </p:handoutMasterIdLst>
   <p:sldIdLst>
     <p:sldId id="256" r:id="rId2"/>
@@ -45,6 +45,7 @@
     <p:sldId id="288" r:id="rId33"/>
     <p:sldId id="290" r:id="rId34"/>
     <p:sldId id="291" r:id="rId35"/>
+    <p:sldId id="292" r:id="rId36"/>
   </p:sldIdLst>
   <p:sldSz cx="12192000" cy="6858000"/>
   <p:notesSz cx="6858000" cy="9144000"/>
@@ -181,7 +182,7 @@
           <p:cNvPr id="2" name="Espaço Reservado para Cabeçalho 1">
             <a:extLst>
               <a:ext uri="{FF2B5EF4-FFF2-40B4-BE49-F238E27FC236}">
-                <a16:creationId xmlns="" xmlns:a16="http://schemas.microsoft.com/office/drawing/2014/main" id="{E947F2B1-E2BA-4CED-821E-46D9EECC59B2}"/>
+                <a16:creationId xmlns:a16="http://schemas.microsoft.com/office/drawing/2014/main" xmlns="" id="{E947F2B1-E2BA-4CED-821E-46D9EECC59B2}"/>
               </a:ext>
             </a:extLst>
           </p:cNvPr>
@@ -218,7 +219,7 @@
           <p:cNvPr id="3" name="Espaço Reservado para Data 2">
             <a:extLst>
               <a:ext uri="{FF2B5EF4-FFF2-40B4-BE49-F238E27FC236}">
-                <a16:creationId xmlns="" xmlns:a16="http://schemas.microsoft.com/office/drawing/2014/main" id="{DA25549B-65C1-4BEA-996B-FAC71F70893E}"/>
+                <a16:creationId xmlns:a16="http://schemas.microsoft.com/office/drawing/2014/main" xmlns="" id="{DA25549B-65C1-4BEA-996B-FAC71F70893E}"/>
               </a:ext>
             </a:extLst>
           </p:cNvPr>
@@ -248,7 +249,7 @@
           <a:p>
             <a:fld id="{8AF5B266-F467-492B-9CB1-9D8DAE746656}" type="datetimeFigureOut">
               <a:rPr lang="pt-BR" smtClean="0"/>
-              <a:t>01/08/2023</a:t>
+              <a:t>02/09/2023</a:t>
             </a:fld>
             <a:endParaRPr lang="pt-BR"/>
           </a:p>
@@ -259,7 +260,7 @@
           <p:cNvPr id="4" name="Espaço Reservado para Rodapé 3">
             <a:extLst>
               <a:ext uri="{FF2B5EF4-FFF2-40B4-BE49-F238E27FC236}">
-                <a16:creationId xmlns="" xmlns:a16="http://schemas.microsoft.com/office/drawing/2014/main" id="{4B1A06E0-82A3-4C94-B558-074B3248DF5A}"/>
+                <a16:creationId xmlns:a16="http://schemas.microsoft.com/office/drawing/2014/main" xmlns="" id="{4B1A06E0-82A3-4C94-B558-074B3248DF5A}"/>
               </a:ext>
             </a:extLst>
           </p:cNvPr>
@@ -296,7 +297,7 @@
           <p:cNvPr id="5" name="Espaço Reservado para Número de Slide 4">
             <a:extLst>
               <a:ext uri="{FF2B5EF4-FFF2-40B4-BE49-F238E27FC236}">
-                <a16:creationId xmlns="" xmlns:a16="http://schemas.microsoft.com/office/drawing/2014/main" id="{FC170E91-12FF-42BD-8BDC-7AF2690C4201}"/>
+                <a16:creationId xmlns:a16="http://schemas.microsoft.com/office/drawing/2014/main" xmlns="" id="{FC170E91-12FF-42BD-8BDC-7AF2690C4201}"/>
               </a:ext>
             </a:extLst>
           </p:cNvPr>
@@ -425,7 +426,7 @@
           <a:p>
             <a:fld id="{FB2C4594-5209-43CD-867D-84E7774A7507}" type="datetimeFigureOut">
               <a:rPr lang="pt-BR" smtClean="0"/>
-              <a:t>01/08/2023</a:t>
+              <a:t>02/09/2023</a:t>
             </a:fld>
             <a:endParaRPr lang="pt-BR" dirty="0"/>
           </a:p>
@@ -864,7 +865,7 @@
           <a:noFill/>
           <a:extLst>
             <a:ext uri="{909E8E84-426E-40dd-AFC4-6F175D3DCCD1}">
-              <a14:hiddenFill xmlns="" xmlns:a14="http://schemas.microsoft.com/office/drawing/2010/main">
+              <a14:hiddenFill xmlns:a14="http://schemas.microsoft.com/office/drawing/2010/main" xmlns="">
                 <a:solidFill>
                   <a:srgbClr val="FFFFFF"/>
                 </a:solidFill>
@@ -923,7 +924,7 @@
             </a:ln>
             <a:extLst>
               <a:ext uri="{91240B29-F687-4f45-9708-019B960494DF}">
-                <a14:hiddenLine xmlns="" xmlns:a14="http://schemas.microsoft.com/office/drawing/2010/main" w="9525">
+                <a14:hiddenLine xmlns:a14="http://schemas.microsoft.com/office/drawing/2010/main" xmlns="" w="9525">
                   <a:solidFill>
                     <a:srgbClr val="000000"/>
                   </a:solidFill>
@@ -1013,7 +1014,7 @@
             </a:ln>
             <a:extLst>
               <a:ext uri="{91240B29-F687-4f45-9708-019B960494DF}">
-                <a14:hiddenLine xmlns="" xmlns:a14="http://schemas.microsoft.com/office/drawing/2010/main" w="9525">
+                <a14:hiddenLine xmlns:a14="http://schemas.microsoft.com/office/drawing/2010/main" xmlns="" w="9525">
                   <a:solidFill>
                     <a:srgbClr val="000000"/>
                   </a:solidFill>
@@ -1103,7 +1104,7 @@
             </a:ln>
             <a:extLst>
               <a:ext uri="{91240B29-F687-4f45-9708-019B960494DF}">
-                <a14:hiddenLine xmlns="" xmlns:a14="http://schemas.microsoft.com/office/drawing/2010/main" w="9525">
+                <a14:hiddenLine xmlns:a14="http://schemas.microsoft.com/office/drawing/2010/main" xmlns="" w="9525">
                   <a:solidFill>
                     <a:srgbClr val="000000"/>
                   </a:solidFill>
@@ -1137,7 +1138,7 @@
             </a:ln>
             <a:extLst>
               <a:ext uri="{91240B29-F687-4f45-9708-019B960494DF}">
-                <a14:hiddenLine xmlns="" xmlns:a14="http://schemas.microsoft.com/office/drawing/2010/main" w="9525">
+                <a14:hiddenLine xmlns:a14="http://schemas.microsoft.com/office/drawing/2010/main" xmlns="" w="9525">
                   <a:solidFill>
                     <a:srgbClr val="000000"/>
                   </a:solidFill>
@@ -1227,7 +1228,7 @@
             </a:ln>
             <a:extLst>
               <a:ext uri="{91240B29-F687-4f45-9708-019B960494DF}">
-                <a14:hiddenLine xmlns="" xmlns:a14="http://schemas.microsoft.com/office/drawing/2010/main" w="9525">
+                <a14:hiddenLine xmlns:a14="http://schemas.microsoft.com/office/drawing/2010/main" xmlns="" w="9525">
                   <a:solidFill>
                     <a:srgbClr val="000000"/>
                   </a:solidFill>
@@ -1289,7 +1290,7 @@
             </a:ln>
             <a:extLst>
               <a:ext uri="{91240B29-F687-4f45-9708-019B960494DF}">
-                <a14:hiddenLine xmlns="" xmlns:a14="http://schemas.microsoft.com/office/drawing/2010/main" w="9525">
+                <a14:hiddenLine xmlns:a14="http://schemas.microsoft.com/office/drawing/2010/main" xmlns="" w="9525">
                   <a:solidFill>
                     <a:srgbClr val="000000"/>
                   </a:solidFill>
@@ -1351,7 +1352,7 @@
             </a:ln>
             <a:extLst>
               <a:ext uri="{91240B29-F687-4f45-9708-019B960494DF}">
-                <a14:hiddenLine xmlns="" xmlns:a14="http://schemas.microsoft.com/office/drawing/2010/main" w="9525">
+                <a14:hiddenLine xmlns:a14="http://schemas.microsoft.com/office/drawing/2010/main" xmlns="" w="9525">
                   <a:solidFill>
                     <a:srgbClr val="000000"/>
                   </a:solidFill>
@@ -1441,7 +1442,7 @@
             </a:ln>
             <a:extLst>
               <a:ext uri="{91240B29-F687-4f45-9708-019B960494DF}">
-                <a14:hiddenLine xmlns="" xmlns:a14="http://schemas.microsoft.com/office/drawing/2010/main" w="9525">
+                <a14:hiddenLine xmlns:a14="http://schemas.microsoft.com/office/drawing/2010/main" xmlns="" w="9525">
                   <a:solidFill>
                     <a:srgbClr val="000000"/>
                   </a:solidFill>
@@ -1503,7 +1504,7 @@
             </a:ln>
             <a:extLst>
               <a:ext uri="{91240B29-F687-4f45-9708-019B960494DF}">
-                <a14:hiddenLine xmlns="" xmlns:a14="http://schemas.microsoft.com/office/drawing/2010/main" w="9525">
+                <a14:hiddenLine xmlns:a14="http://schemas.microsoft.com/office/drawing/2010/main" xmlns="" w="9525">
                   <a:solidFill>
                     <a:srgbClr val="000000"/>
                   </a:solidFill>
@@ -1565,7 +1566,7 @@
             </a:ln>
             <a:extLst>
               <a:ext uri="{91240B29-F687-4f45-9708-019B960494DF}">
-                <a14:hiddenLine xmlns="" xmlns:a14="http://schemas.microsoft.com/office/drawing/2010/main" w="9525">
+                <a14:hiddenLine xmlns:a14="http://schemas.microsoft.com/office/drawing/2010/main" xmlns="" w="9525">
                   <a:solidFill>
                     <a:srgbClr val="000000"/>
                   </a:solidFill>
@@ -1655,7 +1656,7 @@
             </a:ln>
             <a:extLst>
               <a:ext uri="{91240B29-F687-4f45-9708-019B960494DF}">
-                <a14:hiddenLine xmlns="" xmlns:a14="http://schemas.microsoft.com/office/drawing/2010/main" w="9525">
+                <a14:hiddenLine xmlns:a14="http://schemas.microsoft.com/office/drawing/2010/main" xmlns="" w="9525">
                   <a:solidFill>
                     <a:srgbClr val="000000"/>
                   </a:solidFill>
@@ -1745,7 +1746,7 @@
             </a:ln>
             <a:extLst>
               <a:ext uri="{91240B29-F687-4f45-9708-019B960494DF}">
-                <a14:hiddenLine xmlns="" xmlns:a14="http://schemas.microsoft.com/office/drawing/2010/main" w="9525">
+                <a14:hiddenLine xmlns:a14="http://schemas.microsoft.com/office/drawing/2010/main" xmlns="" w="9525">
                   <a:solidFill>
                     <a:srgbClr val="000000"/>
                   </a:solidFill>
@@ -1807,7 +1808,7 @@
             </a:ln>
             <a:extLst>
               <a:ext uri="{91240B29-F687-4f45-9708-019B960494DF}">
-                <a14:hiddenLine xmlns="" xmlns:a14="http://schemas.microsoft.com/office/drawing/2010/main" w="9525">
+                <a14:hiddenLine xmlns:a14="http://schemas.microsoft.com/office/drawing/2010/main" xmlns="" w="9525">
                   <a:solidFill>
                     <a:srgbClr val="000000"/>
                   </a:solidFill>
@@ -1917,7 +1918,7 @@
             </a:ln>
             <a:extLst>
               <a:ext uri="{91240B29-F687-4f45-9708-019B960494DF}">
-                <a14:hiddenLine xmlns="" xmlns:a14="http://schemas.microsoft.com/office/drawing/2010/main" w="9525">
+                <a14:hiddenLine xmlns:a14="http://schemas.microsoft.com/office/drawing/2010/main" xmlns="" w="9525">
                   <a:solidFill>
                     <a:srgbClr val="000000"/>
                   </a:solidFill>
@@ -1979,7 +1980,7 @@
             </a:ln>
             <a:extLst>
               <a:ext uri="{91240B29-F687-4f45-9708-019B960494DF}">
-                <a14:hiddenLine xmlns="" xmlns:a14="http://schemas.microsoft.com/office/drawing/2010/main" w="9525">
+                <a14:hiddenLine xmlns:a14="http://schemas.microsoft.com/office/drawing/2010/main" xmlns="" w="9525">
                   <a:solidFill>
                     <a:srgbClr val="000000"/>
                   </a:solidFill>
@@ -2069,7 +2070,7 @@
             </a:ln>
             <a:extLst>
               <a:ext uri="{91240B29-F687-4f45-9708-019B960494DF}">
-                <a14:hiddenLine xmlns="" xmlns:a14="http://schemas.microsoft.com/office/drawing/2010/main" w="9525">
+                <a14:hiddenLine xmlns:a14="http://schemas.microsoft.com/office/drawing/2010/main" xmlns="" w="9525">
                   <a:solidFill>
                     <a:srgbClr val="000000"/>
                   </a:solidFill>
@@ -2159,7 +2160,7 @@
             </a:ln>
             <a:extLst>
               <a:ext uri="{91240B29-F687-4f45-9708-019B960494DF}">
-                <a14:hiddenLine xmlns="" xmlns:a14="http://schemas.microsoft.com/office/drawing/2010/main" w="9525">
+                <a14:hiddenLine xmlns:a14="http://schemas.microsoft.com/office/drawing/2010/main" xmlns="" w="9525">
                   <a:solidFill>
                     <a:srgbClr val="000000"/>
                   </a:solidFill>
@@ -2221,7 +2222,7 @@
             </a:ln>
             <a:extLst>
               <a:ext uri="{91240B29-F687-4f45-9708-019B960494DF}">
-                <a14:hiddenLine xmlns="" xmlns:a14="http://schemas.microsoft.com/office/drawing/2010/main" w="9525">
+                <a14:hiddenLine xmlns:a14="http://schemas.microsoft.com/office/drawing/2010/main" xmlns="" w="9525">
                   <a:solidFill>
                     <a:srgbClr val="000000"/>
                   </a:solidFill>
@@ -2311,7 +2312,7 @@
             </a:ln>
             <a:extLst>
               <a:ext uri="{91240B29-F687-4f45-9708-019B960494DF}">
-                <a14:hiddenLine xmlns="" xmlns:a14="http://schemas.microsoft.com/office/drawing/2010/main" w="9525">
+                <a14:hiddenLine xmlns:a14="http://schemas.microsoft.com/office/drawing/2010/main" xmlns="" w="9525">
                   <a:solidFill>
                     <a:srgbClr val="000000"/>
                   </a:solidFill>
@@ -2401,7 +2402,7 @@
             </a:ln>
             <a:extLst>
               <a:ext uri="{91240B29-F687-4f45-9708-019B960494DF}">
-                <a14:hiddenLine xmlns="" xmlns:a14="http://schemas.microsoft.com/office/drawing/2010/main" w="9525">
+                <a14:hiddenLine xmlns:a14="http://schemas.microsoft.com/office/drawing/2010/main" xmlns="" w="9525">
                   <a:solidFill>
                     <a:srgbClr val="000000"/>
                   </a:solidFill>
@@ -2457,7 +2458,7 @@
             </a:ln>
             <a:extLst>
               <a:ext uri="{91240B29-F687-4f45-9708-019B960494DF}">
-                <a14:hiddenLine xmlns="" xmlns:a14="http://schemas.microsoft.com/office/drawing/2010/main" w="9525">
+                <a14:hiddenLine xmlns:a14="http://schemas.microsoft.com/office/drawing/2010/main" xmlns="" w="9525">
                   <a:solidFill>
                     <a:srgbClr val="000000"/>
                   </a:solidFill>
@@ -2547,7 +2548,7 @@
             </a:ln>
             <a:extLst>
               <a:ext uri="{91240B29-F687-4f45-9708-019B960494DF}">
-                <a14:hiddenLine xmlns="" xmlns:a14="http://schemas.microsoft.com/office/drawing/2010/main" w="9525">
+                <a14:hiddenLine xmlns:a14="http://schemas.microsoft.com/office/drawing/2010/main" xmlns="" w="9525">
                   <a:solidFill>
                     <a:srgbClr val="000000"/>
                   </a:solidFill>
@@ -2603,7 +2604,7 @@
             </a:ln>
             <a:extLst>
               <a:ext uri="{91240B29-F687-4f45-9708-019B960494DF}">
-                <a14:hiddenLine xmlns="" xmlns:a14="http://schemas.microsoft.com/office/drawing/2010/main" w="9525">
+                <a14:hiddenLine xmlns:a14="http://schemas.microsoft.com/office/drawing/2010/main" xmlns="" w="9525">
                   <a:solidFill>
                     <a:srgbClr val="000000"/>
                   </a:solidFill>
@@ -2693,7 +2694,7 @@
             </a:ln>
             <a:extLst>
               <a:ext uri="{91240B29-F687-4f45-9708-019B960494DF}">
-                <a14:hiddenLine xmlns="" xmlns:a14="http://schemas.microsoft.com/office/drawing/2010/main" w="9525">
+                <a14:hiddenLine xmlns:a14="http://schemas.microsoft.com/office/drawing/2010/main" xmlns="" w="9525">
                   <a:solidFill>
                     <a:srgbClr val="000000"/>
                   </a:solidFill>
@@ -2761,7 +2762,7 @@
             </a:ln>
             <a:extLst>
               <a:ext uri="{91240B29-F687-4f45-9708-019B960494DF}">
-                <a14:hiddenLine xmlns="" xmlns:a14="http://schemas.microsoft.com/office/drawing/2010/main" w="9525">
+                <a14:hiddenLine xmlns:a14="http://schemas.microsoft.com/office/drawing/2010/main" xmlns="" w="9525">
                   <a:solidFill>
                     <a:srgbClr val="000000"/>
                   </a:solidFill>
@@ -2851,7 +2852,7 @@
             </a:ln>
             <a:extLst>
               <a:ext uri="{91240B29-F687-4f45-9708-019B960494DF}">
-                <a14:hiddenLine xmlns="" xmlns:a14="http://schemas.microsoft.com/office/drawing/2010/main" w="9525">
+                <a14:hiddenLine xmlns:a14="http://schemas.microsoft.com/office/drawing/2010/main" xmlns="" w="9525">
                   <a:solidFill>
                     <a:srgbClr val="000000"/>
                   </a:solidFill>
@@ -2919,7 +2920,7 @@
             </a:ln>
             <a:extLst>
               <a:ext uri="{91240B29-F687-4f45-9708-019B960494DF}">
-                <a14:hiddenLine xmlns="" xmlns:a14="http://schemas.microsoft.com/office/drawing/2010/main" w="9525">
+                <a14:hiddenLine xmlns:a14="http://schemas.microsoft.com/office/drawing/2010/main" xmlns="" w="9525">
                   <a:solidFill>
                     <a:srgbClr val="000000"/>
                   </a:solidFill>
@@ -3009,7 +3010,7 @@
             </a:ln>
             <a:extLst>
               <a:ext uri="{91240B29-F687-4f45-9708-019B960494DF}">
-                <a14:hiddenLine xmlns="" xmlns:a14="http://schemas.microsoft.com/office/drawing/2010/main" w="9525">
+                <a14:hiddenLine xmlns:a14="http://schemas.microsoft.com/office/drawing/2010/main" xmlns="" w="9525">
                   <a:solidFill>
                     <a:srgbClr val="000000"/>
                   </a:solidFill>
@@ -3043,7 +3044,7 @@
             </a:ln>
             <a:extLst>
               <a:ext uri="{91240B29-F687-4f45-9708-019B960494DF}">
-                <a14:hiddenLine xmlns="" xmlns:a14="http://schemas.microsoft.com/office/drawing/2010/main" w="9525">
+                <a14:hiddenLine xmlns:a14="http://schemas.microsoft.com/office/drawing/2010/main" xmlns="" w="9525">
                   <a:solidFill>
                     <a:srgbClr val="000000"/>
                   </a:solidFill>
@@ -3133,7 +3134,7 @@
             </a:ln>
             <a:extLst>
               <a:ext uri="{91240B29-F687-4f45-9708-019B960494DF}">
-                <a14:hiddenLine xmlns="" xmlns:a14="http://schemas.microsoft.com/office/drawing/2010/main" w="9525">
+                <a14:hiddenLine xmlns:a14="http://schemas.microsoft.com/office/drawing/2010/main" xmlns="" w="9525">
                   <a:solidFill>
                     <a:srgbClr val="000000"/>
                   </a:solidFill>
@@ -3195,7 +3196,7 @@
             </a:ln>
             <a:extLst>
               <a:ext uri="{91240B29-F687-4f45-9708-019B960494DF}">
-                <a14:hiddenLine xmlns="" xmlns:a14="http://schemas.microsoft.com/office/drawing/2010/main" w="9525">
+                <a14:hiddenLine xmlns:a14="http://schemas.microsoft.com/office/drawing/2010/main" xmlns="" w="9525">
                   <a:solidFill>
                     <a:srgbClr val="000000"/>
                   </a:solidFill>
@@ -3257,7 +3258,7 @@
             </a:ln>
             <a:extLst>
               <a:ext uri="{91240B29-F687-4f45-9708-019B960494DF}">
-                <a14:hiddenLine xmlns="" xmlns:a14="http://schemas.microsoft.com/office/drawing/2010/main" w="9525">
+                <a14:hiddenLine xmlns:a14="http://schemas.microsoft.com/office/drawing/2010/main" xmlns="" w="9525">
                   <a:solidFill>
                     <a:srgbClr val="000000"/>
                   </a:solidFill>
@@ -3347,7 +3348,7 @@
             </a:ln>
             <a:extLst>
               <a:ext uri="{91240B29-F687-4f45-9708-019B960494DF}">
-                <a14:hiddenLine xmlns="" xmlns:a14="http://schemas.microsoft.com/office/drawing/2010/main" w="9525">
+                <a14:hiddenLine xmlns:a14="http://schemas.microsoft.com/office/drawing/2010/main" xmlns="" w="9525">
                   <a:solidFill>
                     <a:srgbClr val="000000"/>
                   </a:solidFill>
@@ -3415,7 +3416,7 @@
             </a:ln>
             <a:extLst>
               <a:ext uri="{91240B29-F687-4f45-9708-019B960494DF}">
-                <a14:hiddenLine xmlns="" xmlns:a14="http://schemas.microsoft.com/office/drawing/2010/main" w="9525">
+                <a14:hiddenLine xmlns:a14="http://schemas.microsoft.com/office/drawing/2010/main" xmlns="" w="9525">
                   <a:solidFill>
                     <a:srgbClr val="000000"/>
                   </a:solidFill>
@@ -3477,7 +3478,7 @@
             </a:ln>
             <a:extLst>
               <a:ext uri="{91240B29-F687-4f45-9708-019B960494DF}">
-                <a14:hiddenLine xmlns="" xmlns:a14="http://schemas.microsoft.com/office/drawing/2010/main" w="9525">
+                <a14:hiddenLine xmlns:a14="http://schemas.microsoft.com/office/drawing/2010/main" xmlns="" w="9525">
                   <a:solidFill>
                     <a:srgbClr val="000000"/>
                   </a:solidFill>
@@ -3567,7 +3568,7 @@
             </a:ln>
             <a:extLst>
               <a:ext uri="{91240B29-F687-4f45-9708-019B960494DF}">
-                <a14:hiddenLine xmlns="" xmlns:a14="http://schemas.microsoft.com/office/drawing/2010/main" w="9525">
+                <a14:hiddenLine xmlns:a14="http://schemas.microsoft.com/office/drawing/2010/main" xmlns="" w="9525">
                   <a:solidFill>
                     <a:srgbClr val="000000"/>
                   </a:solidFill>
@@ -3629,7 +3630,7 @@
             </a:ln>
             <a:extLst>
               <a:ext uri="{91240B29-F687-4f45-9708-019B960494DF}">
-                <a14:hiddenLine xmlns="" xmlns:a14="http://schemas.microsoft.com/office/drawing/2010/main" w="9525">
+                <a14:hiddenLine xmlns:a14="http://schemas.microsoft.com/office/drawing/2010/main" xmlns="" w="9525">
                   <a:solidFill>
                     <a:srgbClr val="000000"/>
                   </a:solidFill>
@@ -3719,7 +3720,7 @@
             </a:ln>
             <a:extLst>
               <a:ext uri="{91240B29-F687-4f45-9708-019B960494DF}">
-                <a14:hiddenLine xmlns="" xmlns:a14="http://schemas.microsoft.com/office/drawing/2010/main" w="9525">
+                <a14:hiddenLine xmlns:a14="http://schemas.microsoft.com/office/drawing/2010/main" xmlns="" w="9525">
                   <a:solidFill>
                     <a:srgbClr val="000000"/>
                   </a:solidFill>
@@ -3781,7 +3782,7 @@
             </a:ln>
             <a:extLst>
               <a:ext uri="{91240B29-F687-4f45-9708-019B960494DF}">
-                <a14:hiddenLine xmlns="" xmlns:a14="http://schemas.microsoft.com/office/drawing/2010/main" w="9525">
+                <a14:hiddenLine xmlns:a14="http://schemas.microsoft.com/office/drawing/2010/main" xmlns="" w="9525">
                   <a:solidFill>
                     <a:srgbClr val="000000"/>
                   </a:solidFill>
@@ -3871,7 +3872,7 @@
             </a:ln>
             <a:extLst>
               <a:ext uri="{91240B29-F687-4f45-9708-019B960494DF}">
-                <a14:hiddenLine xmlns="" xmlns:a14="http://schemas.microsoft.com/office/drawing/2010/main" w="9525">
+                <a14:hiddenLine xmlns:a14="http://schemas.microsoft.com/office/drawing/2010/main" xmlns="" w="9525">
                   <a:solidFill>
                     <a:srgbClr val="000000"/>
                   </a:solidFill>
@@ -3905,7 +3906,7 @@
             </a:ln>
             <a:extLst>
               <a:ext uri="{91240B29-F687-4f45-9708-019B960494DF}">
-                <a14:hiddenLine xmlns="" xmlns:a14="http://schemas.microsoft.com/office/drawing/2010/main" w="9525">
+                <a14:hiddenLine xmlns:a14="http://schemas.microsoft.com/office/drawing/2010/main" xmlns="" w="9525">
                   <a:solidFill>
                     <a:srgbClr val="000000"/>
                   </a:solidFill>
@@ -3970,7 +3971,7 @@
             </a:ln>
             <a:extLst>
               <a:ext uri="{91240B29-F687-4f45-9708-019B960494DF}">
-                <a14:hiddenLine xmlns="" xmlns:a14="http://schemas.microsoft.com/office/drawing/2010/main" w="9525">
+                <a14:hiddenLine xmlns:a14="http://schemas.microsoft.com/office/drawing/2010/main" xmlns="" w="9525">
                   <a:solidFill>
                     <a:srgbClr val="000000"/>
                   </a:solidFill>
@@ -4060,7 +4061,7 @@
             </a:ln>
             <a:extLst>
               <a:ext uri="{91240B29-F687-4f45-9708-019B960494DF}">
-                <a14:hiddenLine xmlns="" xmlns:a14="http://schemas.microsoft.com/office/drawing/2010/main" w="9525">
+                <a14:hiddenLine xmlns:a14="http://schemas.microsoft.com/office/drawing/2010/main" xmlns="" w="9525">
                   <a:solidFill>
                     <a:srgbClr val="000000"/>
                   </a:solidFill>
@@ -4122,7 +4123,7 @@
             </a:ln>
             <a:extLst>
               <a:ext uri="{91240B29-F687-4f45-9708-019B960494DF}">
-                <a14:hiddenLine xmlns="" xmlns:a14="http://schemas.microsoft.com/office/drawing/2010/main" w="9525">
+                <a14:hiddenLine xmlns:a14="http://schemas.microsoft.com/office/drawing/2010/main" xmlns="" w="9525">
                   <a:solidFill>
                     <a:srgbClr val="000000"/>
                   </a:solidFill>
@@ -4212,7 +4213,7 @@
             </a:ln>
             <a:extLst>
               <a:ext uri="{91240B29-F687-4f45-9708-019B960494DF}">
-                <a14:hiddenLine xmlns="" xmlns:a14="http://schemas.microsoft.com/office/drawing/2010/main" w="9525">
+                <a14:hiddenLine xmlns:a14="http://schemas.microsoft.com/office/drawing/2010/main" xmlns="" w="9525">
                   <a:solidFill>
                     <a:srgbClr val="000000"/>
                   </a:solidFill>
@@ -4302,7 +4303,7 @@
             </a:ln>
             <a:extLst>
               <a:ext uri="{91240B29-F687-4f45-9708-019B960494DF}">
-                <a14:hiddenLine xmlns="" xmlns:a14="http://schemas.microsoft.com/office/drawing/2010/main" w="9525">
+                <a14:hiddenLine xmlns:a14="http://schemas.microsoft.com/office/drawing/2010/main" xmlns="" w="9525">
                   <a:solidFill>
                     <a:srgbClr val="000000"/>
                   </a:solidFill>
@@ -4367,7 +4368,7 @@
             </a:ln>
             <a:extLst>
               <a:ext uri="{91240B29-F687-4f45-9708-019B960494DF}">
-                <a14:hiddenLine xmlns="" xmlns:a14="http://schemas.microsoft.com/office/drawing/2010/main" w="9525">
+                <a14:hiddenLine xmlns:a14="http://schemas.microsoft.com/office/drawing/2010/main" xmlns="" w="9525">
                   <a:solidFill>
                     <a:srgbClr val="000000"/>
                   </a:solidFill>
@@ -4429,7 +4430,7 @@
             </a:ln>
             <a:extLst>
               <a:ext uri="{91240B29-F687-4f45-9708-019B960494DF}">
-                <a14:hiddenLine xmlns="" xmlns:a14="http://schemas.microsoft.com/office/drawing/2010/main" w="9525">
+                <a14:hiddenLine xmlns:a14="http://schemas.microsoft.com/office/drawing/2010/main" xmlns="" w="9525">
                   <a:solidFill>
                     <a:srgbClr val="000000"/>
                   </a:solidFill>
@@ -4519,7 +4520,7 @@
             </a:ln>
             <a:extLst>
               <a:ext uri="{91240B29-F687-4f45-9708-019B960494DF}">
-                <a14:hiddenLine xmlns="" xmlns:a14="http://schemas.microsoft.com/office/drawing/2010/main" w="9525">
+                <a14:hiddenLine xmlns:a14="http://schemas.microsoft.com/office/drawing/2010/main" xmlns="" w="9525">
                   <a:solidFill>
                     <a:srgbClr val="000000"/>
                   </a:solidFill>
@@ -4609,7 +4610,7 @@
             </a:ln>
             <a:extLst>
               <a:ext uri="{91240B29-F687-4f45-9708-019B960494DF}">
-                <a14:hiddenLine xmlns="" xmlns:a14="http://schemas.microsoft.com/office/drawing/2010/main" w="9525">
+                <a14:hiddenLine xmlns:a14="http://schemas.microsoft.com/office/drawing/2010/main" xmlns="" w="9525">
                   <a:solidFill>
                     <a:srgbClr val="000000"/>
                   </a:solidFill>
@@ -4671,7 +4672,7 @@
             </a:ln>
             <a:extLst>
               <a:ext uri="{91240B29-F687-4f45-9708-019B960494DF}">
-                <a14:hiddenLine xmlns="" xmlns:a14="http://schemas.microsoft.com/office/drawing/2010/main" w="9525">
+                <a14:hiddenLine xmlns:a14="http://schemas.microsoft.com/office/drawing/2010/main" xmlns="" w="9525">
                   <a:solidFill>
                     <a:srgbClr val="000000"/>
                   </a:solidFill>
@@ -4791,7 +4792,7 @@
             </a:ln>
             <a:extLst>
               <a:ext uri="{91240B29-F687-4f45-9708-019B960494DF}">
-                <a14:hiddenLine xmlns="" xmlns:a14="http://schemas.microsoft.com/office/drawing/2010/main" w="9525">
+                <a14:hiddenLine xmlns:a14="http://schemas.microsoft.com/office/drawing/2010/main" xmlns="" w="9525">
                   <a:solidFill>
                     <a:srgbClr val="000000"/>
                   </a:solidFill>
@@ -4859,7 +4860,7 @@
             </a:ln>
             <a:extLst>
               <a:ext uri="{91240B29-F687-4f45-9708-019B960494DF}">
-                <a14:hiddenLine xmlns="" xmlns:a14="http://schemas.microsoft.com/office/drawing/2010/main" w="9525">
+                <a14:hiddenLine xmlns:a14="http://schemas.microsoft.com/office/drawing/2010/main" xmlns="" w="9525">
                   <a:solidFill>
                     <a:srgbClr val="000000"/>
                   </a:solidFill>
@@ -4949,7 +4950,7 @@
             </a:ln>
             <a:extLst>
               <a:ext uri="{91240B29-F687-4f45-9708-019B960494DF}">
-                <a14:hiddenLine xmlns="" xmlns:a14="http://schemas.microsoft.com/office/drawing/2010/main" w="9525">
+                <a14:hiddenLine xmlns:a14="http://schemas.microsoft.com/office/drawing/2010/main" xmlns="" w="9525">
                   <a:solidFill>
                     <a:srgbClr val="000000"/>
                   </a:solidFill>
@@ -5090,7 +5091,7 @@
             <a:pPr rtl="0"/>
             <a:fld id="{A36D024B-6521-43EE-B75B-026EF60BA7AA}" type="datetime1">
               <a:rPr lang="pt-BR" noProof="0" smtClean="0"/>
-              <a:t>01/08/2023</a:t>
+              <a:t>02/09/2023</a:t>
             </a:fld>
             <a:endParaRPr lang="pt-BR" noProof="0"/>
           </a:p>
@@ -5360,7 +5361,7 @@
             <a:pPr rtl="0"/>
             <a:fld id="{F3D46644-0C8C-4B2E-8369-CCEA0EB26CA8}" type="datetime1">
               <a:rPr lang="pt-BR" noProof="0" smtClean="0"/>
-              <a:t>01/08/2023</a:t>
+              <a:t>02/09/2023</a:t>
             </a:fld>
             <a:endParaRPr lang="pt-BR" noProof="0"/>
           </a:p>
@@ -5559,7 +5560,7 @@
             <a:pPr rtl="0"/>
             <a:fld id="{7B5BEA7F-1AFB-49DD-A3F1-64E1620E51B2}" type="datetime1">
               <a:rPr lang="pt-BR" noProof="0" smtClean="0"/>
-              <a:t>01/08/2023</a:t>
+              <a:t>02/09/2023</a:t>
             </a:fld>
             <a:endParaRPr lang="pt-BR" noProof="0"/>
           </a:p>
@@ -5826,7 +5827,7 @@
             <a:pPr rtl="0"/>
             <a:fld id="{29A47D19-B5A2-4A09-8BCF-61189AC8F394}" type="datetime1">
               <a:rPr lang="pt-BR" noProof="0" smtClean="0"/>
-              <a:t>01/08/2023</a:t>
+              <a:t>02/09/2023</a:t>
             </a:fld>
             <a:endParaRPr lang="pt-BR" noProof="0"/>
           </a:p>
@@ -6263,7 +6264,7 @@
             <a:pPr rtl="0"/>
             <a:fld id="{649D303F-115C-4AB0-BF64-F84AF60E4332}" type="datetime1">
               <a:rPr lang="pt-BR" noProof="0" smtClean="0"/>
-              <a:t>01/08/2023</a:t>
+              <a:t>02/09/2023</a:t>
             </a:fld>
             <a:endParaRPr lang="pt-BR" noProof="0"/>
           </a:p>
@@ -6812,7 +6813,7 @@
             <a:pPr rtl="0"/>
             <a:fld id="{E4196294-876E-45EB-8002-578B34D9D72B}" type="datetime1">
               <a:rPr lang="pt-BR" noProof="0" smtClean="0"/>
-              <a:t>01/08/2023</a:t>
+              <a:t>02/09/2023</a:t>
             </a:fld>
             <a:endParaRPr lang="pt-BR" noProof="0"/>
           </a:p>
@@ -7536,7 +7537,7 @@
             <a:pPr rtl="0"/>
             <a:fld id="{1848C094-59C3-4D57-80C2-C16021DBB375}" type="datetime1">
               <a:rPr lang="pt-BR" noProof="0" smtClean="0"/>
-              <a:t>01/08/2023</a:t>
+              <a:t>02/09/2023</a:t>
             </a:fld>
             <a:endParaRPr lang="pt-BR" noProof="0"/>
           </a:p>
@@ -7708,7 +7709,7 @@
             <a:pPr rtl="0"/>
             <a:fld id="{88E65B06-1465-42AE-BF94-C0F0F1ABA3D0}" type="datetime1">
               <a:rPr lang="pt-BR" noProof="0" smtClean="0"/>
-              <a:t>01/08/2023</a:t>
+              <a:t>02/09/2023</a:t>
             </a:fld>
             <a:endParaRPr lang="pt-BR" noProof="0"/>
           </a:p>
@@ -7890,7 +7891,7 @@
             <a:pPr rtl="0"/>
             <a:fld id="{4B04C83B-3B65-45AF-99D0-468CEDD0DC72}" type="datetime1">
               <a:rPr lang="pt-BR" noProof="0" smtClean="0"/>
-              <a:t>01/08/2023</a:t>
+              <a:t>02/09/2023</a:t>
             </a:fld>
             <a:endParaRPr lang="pt-BR" noProof="0"/>
           </a:p>
@@ -8062,7 +8063,7 @@
             <a:pPr rtl="0"/>
             <a:fld id="{B0C596BE-B23C-4E59-BC1A-9483DC8394B5}" type="datetime1">
               <a:rPr lang="pt-BR" noProof="0" smtClean="0"/>
-              <a:t>01/08/2023</a:t>
+              <a:t>02/09/2023</a:t>
             </a:fld>
             <a:endParaRPr lang="pt-BR" noProof="0"/>
           </a:p>
@@ -8315,7 +8316,7 @@
             <a:pPr rtl="0"/>
             <a:fld id="{8FD7BE37-C264-483A-9871-139F2D8C2CAC}" type="datetime1">
               <a:rPr lang="pt-BR" noProof="0" smtClean="0"/>
-              <a:t>01/08/2023</a:t>
+              <a:t>02/09/2023</a:t>
             </a:fld>
             <a:endParaRPr lang="pt-BR" noProof="0"/>
           </a:p>
@@ -8548,7 +8549,7 @@
             <a:pPr rtl="0"/>
             <a:fld id="{9CBF9FE5-D85B-40F6-BDA0-C55FD244BAE0}" type="datetime1">
               <a:rPr lang="pt-BR" noProof="0" smtClean="0"/>
-              <a:t>01/08/2023</a:t>
+              <a:t>02/09/2023</a:t>
             </a:fld>
             <a:endParaRPr lang="pt-BR" noProof="0"/>
           </a:p>
@@ -8931,7 +8932,7 @@
             <a:pPr rtl="0"/>
             <a:fld id="{D31AF743-7AA7-4A27-A8F7-F31693243353}" type="datetime1">
               <a:rPr lang="pt-BR" noProof="0" smtClean="0"/>
-              <a:t>01/08/2023</a:t>
+              <a:t>02/09/2023</a:t>
             </a:fld>
             <a:endParaRPr lang="pt-BR" noProof="0"/>
           </a:p>
@@ -9052,7 +9053,7 @@
             <a:pPr rtl="0"/>
             <a:fld id="{501EAB95-A7A3-4242-8365-938AB69D927B}" type="datetime1">
               <a:rPr lang="pt-BR" noProof="0" smtClean="0"/>
-              <a:t>01/08/2023</a:t>
+              <a:t>02/09/2023</a:t>
             </a:fld>
             <a:endParaRPr lang="pt-BR" noProof="0"/>
           </a:p>
@@ -9150,7 +9151,7 @@
             <a:pPr rtl="0"/>
             <a:fld id="{17E8544A-C266-48C9-A6C9-13B162D21F47}" type="datetime1">
               <a:rPr lang="pt-BR" noProof="0" smtClean="0"/>
-              <a:t>01/08/2023</a:t>
+              <a:t>02/09/2023</a:t>
             </a:fld>
             <a:endParaRPr lang="pt-BR" noProof="0"/>
           </a:p>
@@ -9401,7 +9402,7 @@
             <a:pPr rtl="0"/>
             <a:fld id="{4F205157-E6F1-45B4-B896-DE2A344F09C6}" type="datetime1">
               <a:rPr lang="pt-BR" noProof="0" smtClean="0"/>
-              <a:t>01/08/2023</a:t>
+              <a:t>02/09/2023</a:t>
             </a:fld>
             <a:endParaRPr lang="pt-BR" noProof="0"/>
           </a:p>
@@ -9686,7 +9687,7 @@
             <a:pPr rtl="0"/>
             <a:fld id="{F71F8E9B-B567-4425-A671-20F07253D543}" type="datetime1">
               <a:rPr lang="pt-BR" noProof="0" smtClean="0"/>
-              <a:t>01/08/2023</a:t>
+              <a:t>02/09/2023</a:t>
             </a:fld>
             <a:endParaRPr lang="pt-BR" noProof="0"/>
           </a:p>
@@ -9811,7 +9812,7 @@
           <a:noFill/>
           <a:extLst>
             <a:ext uri="{909E8E84-426E-40dd-AFC4-6F175D3DCCD1}">
-              <a14:hiddenFill xmlns="" xmlns:a14="http://schemas.microsoft.com/office/drawing/2010/main">
+              <a14:hiddenFill xmlns:a14="http://schemas.microsoft.com/office/drawing/2010/main" xmlns="">
                 <a:solidFill>
                   <a:srgbClr val="FFFFFF"/>
                 </a:solidFill>
@@ -9885,7 +9886,7 @@
               </a:ln>
               <a:extLst>
                 <a:ext uri="{91240B29-F687-4f45-9708-019B960494DF}">
-                  <a14:hiddenLine xmlns="" xmlns:a14="http://schemas.microsoft.com/office/drawing/2010/main" w="9525">
+                  <a14:hiddenLine xmlns:a14="http://schemas.microsoft.com/office/drawing/2010/main" xmlns="" w="9525">
                     <a:solidFill>
                       <a:srgbClr val="000000"/>
                     </a:solidFill>
@@ -9975,7 +9976,7 @@
               </a:ln>
               <a:extLst>
                 <a:ext uri="{91240B29-F687-4f45-9708-019B960494DF}">
-                  <a14:hiddenLine xmlns="" xmlns:a14="http://schemas.microsoft.com/office/drawing/2010/main" w="9525">
+                  <a14:hiddenLine xmlns:a14="http://schemas.microsoft.com/office/drawing/2010/main" xmlns="" w="9525">
                     <a:solidFill>
                       <a:srgbClr val="000000"/>
                     </a:solidFill>
@@ -10065,7 +10066,7 @@
               </a:ln>
               <a:extLst>
                 <a:ext uri="{91240B29-F687-4f45-9708-019B960494DF}">
-                  <a14:hiddenLine xmlns="" xmlns:a14="http://schemas.microsoft.com/office/drawing/2010/main" w="9525">
+                  <a14:hiddenLine xmlns:a14="http://schemas.microsoft.com/office/drawing/2010/main" xmlns="" w="9525">
                     <a:solidFill>
                       <a:srgbClr val="000000"/>
                     </a:solidFill>
@@ -10127,7 +10128,7 @@
               </a:ln>
               <a:extLst>
                 <a:ext uri="{91240B29-F687-4f45-9708-019B960494DF}">
-                  <a14:hiddenLine xmlns="" xmlns:a14="http://schemas.microsoft.com/office/drawing/2010/main" w="9525">
+                  <a14:hiddenLine xmlns:a14="http://schemas.microsoft.com/office/drawing/2010/main" xmlns="" w="9525">
                     <a:solidFill>
                       <a:srgbClr val="000000"/>
                     </a:solidFill>
@@ -10217,7 +10218,7 @@
               </a:ln>
               <a:extLst>
                 <a:ext uri="{91240B29-F687-4f45-9708-019B960494DF}">
-                  <a14:hiddenLine xmlns="" xmlns:a14="http://schemas.microsoft.com/office/drawing/2010/main" w="9525">
+                  <a14:hiddenLine xmlns:a14="http://schemas.microsoft.com/office/drawing/2010/main" xmlns="" w="9525">
                     <a:solidFill>
                       <a:srgbClr val="000000"/>
                     </a:solidFill>
@@ -10279,7 +10280,7 @@
               </a:ln>
               <a:extLst>
                 <a:ext uri="{91240B29-F687-4f45-9708-019B960494DF}">
-                  <a14:hiddenLine xmlns="" xmlns:a14="http://schemas.microsoft.com/office/drawing/2010/main" w="9525">
+                  <a14:hiddenLine xmlns:a14="http://schemas.microsoft.com/office/drawing/2010/main" xmlns="" w="9525">
                     <a:solidFill>
                       <a:srgbClr val="000000"/>
                     </a:solidFill>
@@ -10341,7 +10342,7 @@
               </a:ln>
               <a:extLst>
                 <a:ext uri="{91240B29-F687-4f45-9708-019B960494DF}">
-                  <a14:hiddenLine xmlns="" xmlns:a14="http://schemas.microsoft.com/office/drawing/2010/main" w="9525">
+                  <a14:hiddenLine xmlns:a14="http://schemas.microsoft.com/office/drawing/2010/main" xmlns="" w="9525">
                     <a:solidFill>
                       <a:srgbClr val="000000"/>
                     </a:solidFill>
@@ -10431,7 +10432,7 @@
               </a:ln>
               <a:extLst>
                 <a:ext uri="{91240B29-F687-4f45-9708-019B960494DF}">
-                  <a14:hiddenLine xmlns="" xmlns:a14="http://schemas.microsoft.com/office/drawing/2010/main" w="9525">
+                  <a14:hiddenLine xmlns:a14="http://schemas.microsoft.com/office/drawing/2010/main" xmlns="" w="9525">
                     <a:solidFill>
                       <a:srgbClr val="000000"/>
                     </a:solidFill>
@@ -10521,7 +10522,7 @@
               </a:ln>
               <a:extLst>
                 <a:ext uri="{91240B29-F687-4f45-9708-019B960494DF}">
-                  <a14:hiddenLine xmlns="" xmlns:a14="http://schemas.microsoft.com/office/drawing/2010/main" w="9525">
+                  <a14:hiddenLine xmlns:a14="http://schemas.microsoft.com/office/drawing/2010/main" xmlns="" w="9525">
                     <a:solidFill>
                       <a:srgbClr val="000000"/>
                     </a:solidFill>
@@ -10583,7 +10584,7 @@
               </a:ln>
               <a:extLst>
                 <a:ext uri="{91240B29-F687-4f45-9708-019B960494DF}">
-                  <a14:hiddenLine xmlns="" xmlns:a14="http://schemas.microsoft.com/office/drawing/2010/main" w="9525">
+                  <a14:hiddenLine xmlns:a14="http://schemas.microsoft.com/office/drawing/2010/main" xmlns="" w="9525">
                     <a:solidFill>
                       <a:srgbClr val="000000"/>
                     </a:solidFill>
@@ -10693,7 +10694,7 @@
               </a:ln>
               <a:extLst>
                 <a:ext uri="{91240B29-F687-4f45-9708-019B960494DF}">
-                  <a14:hiddenLine xmlns="" xmlns:a14="http://schemas.microsoft.com/office/drawing/2010/main" w="9525">
+                  <a14:hiddenLine xmlns:a14="http://schemas.microsoft.com/office/drawing/2010/main" xmlns="" w="9525">
                     <a:solidFill>
                       <a:srgbClr val="000000"/>
                     </a:solidFill>
@@ -10777,7 +10778,7 @@
               </a:ln>
               <a:extLst>
                 <a:ext uri="{91240B29-F687-4f45-9708-019B960494DF}">
-                  <a14:hiddenLine xmlns="" xmlns:a14="http://schemas.microsoft.com/office/drawing/2010/main" w="9525">
+                  <a14:hiddenLine xmlns:a14="http://schemas.microsoft.com/office/drawing/2010/main" xmlns="" w="9525">
                     <a:solidFill>
                       <a:srgbClr val="000000"/>
                     </a:solidFill>
@@ -10839,7 +10840,7 @@
               </a:ln>
               <a:extLst>
                 <a:ext uri="{91240B29-F687-4f45-9708-019B960494DF}">
-                  <a14:hiddenLine xmlns="" xmlns:a14="http://schemas.microsoft.com/office/drawing/2010/main" w="9525">
+                  <a14:hiddenLine xmlns:a14="http://schemas.microsoft.com/office/drawing/2010/main" xmlns="" w="9525">
                     <a:solidFill>
                       <a:srgbClr val="000000"/>
                     </a:solidFill>
@@ -10901,7 +10902,7 @@
               </a:ln>
               <a:extLst>
                 <a:ext uri="{91240B29-F687-4f45-9708-019B960494DF}">
-                  <a14:hiddenLine xmlns="" xmlns:a14="http://schemas.microsoft.com/office/drawing/2010/main" w="9525">
+                  <a14:hiddenLine xmlns:a14="http://schemas.microsoft.com/office/drawing/2010/main" xmlns="" w="9525">
                     <a:solidFill>
                       <a:srgbClr val="000000"/>
                     </a:solidFill>
@@ -10991,7 +10992,7 @@
               </a:ln>
               <a:extLst>
                 <a:ext uri="{91240B29-F687-4f45-9708-019B960494DF}">
-                  <a14:hiddenLine xmlns="" xmlns:a14="http://schemas.microsoft.com/office/drawing/2010/main" w="9525">
+                  <a14:hiddenLine xmlns:a14="http://schemas.microsoft.com/office/drawing/2010/main" xmlns="" w="9525">
                     <a:solidFill>
                       <a:srgbClr val="000000"/>
                     </a:solidFill>
@@ -11025,7 +11026,7 @@
               </a:ln>
               <a:extLst>
                 <a:ext uri="{91240B29-F687-4f45-9708-019B960494DF}">
-                  <a14:hiddenLine xmlns="" xmlns:a14="http://schemas.microsoft.com/office/drawing/2010/main" w="9525">
+                  <a14:hiddenLine xmlns:a14="http://schemas.microsoft.com/office/drawing/2010/main" xmlns="" w="9525">
                     <a:solidFill>
                       <a:srgbClr val="000000"/>
                     </a:solidFill>
@@ -11090,7 +11091,7 @@
               </a:ln>
               <a:extLst>
                 <a:ext uri="{91240B29-F687-4f45-9708-019B960494DF}">
-                  <a14:hiddenLine xmlns="" xmlns:a14="http://schemas.microsoft.com/office/drawing/2010/main" w="9525">
+                  <a14:hiddenLine xmlns:a14="http://schemas.microsoft.com/office/drawing/2010/main" xmlns="" w="9525">
                     <a:solidFill>
                       <a:srgbClr val="000000"/>
                     </a:solidFill>
@@ -11180,7 +11181,7 @@
               </a:ln>
               <a:extLst>
                 <a:ext uri="{91240B29-F687-4f45-9708-019B960494DF}">
-                  <a14:hiddenLine xmlns="" xmlns:a14="http://schemas.microsoft.com/office/drawing/2010/main" w="9525">
+                  <a14:hiddenLine xmlns:a14="http://schemas.microsoft.com/office/drawing/2010/main" xmlns="" w="9525">
                     <a:solidFill>
                       <a:srgbClr val="000000"/>
                     </a:solidFill>
@@ -11242,7 +11243,7 @@
               </a:ln>
               <a:extLst>
                 <a:ext uri="{91240B29-F687-4f45-9708-019B960494DF}">
-                  <a14:hiddenLine xmlns="" xmlns:a14="http://schemas.microsoft.com/office/drawing/2010/main" w="9525">
+                  <a14:hiddenLine xmlns:a14="http://schemas.microsoft.com/office/drawing/2010/main" xmlns="" w="9525">
                     <a:solidFill>
                       <a:srgbClr val="000000"/>
                     </a:solidFill>
@@ -11332,7 +11333,7 @@
               </a:ln>
               <a:extLst>
                 <a:ext uri="{91240B29-F687-4f45-9708-019B960494DF}">
-                  <a14:hiddenLine xmlns="" xmlns:a14="http://schemas.microsoft.com/office/drawing/2010/main" w="9525">
+                  <a14:hiddenLine xmlns:a14="http://schemas.microsoft.com/office/drawing/2010/main" xmlns="" w="9525">
                     <a:solidFill>
                       <a:srgbClr val="000000"/>
                     </a:solidFill>
@@ -11397,7 +11398,7 @@
               </a:ln>
               <a:extLst>
                 <a:ext uri="{91240B29-F687-4f45-9708-019B960494DF}">
-                  <a14:hiddenLine xmlns="" xmlns:a14="http://schemas.microsoft.com/office/drawing/2010/main" w="9525">
+                  <a14:hiddenLine xmlns:a14="http://schemas.microsoft.com/office/drawing/2010/main" xmlns="" w="9525">
                     <a:solidFill>
                       <a:srgbClr val="000000"/>
                     </a:solidFill>
@@ -11459,7 +11460,7 @@
               </a:ln>
               <a:extLst>
                 <a:ext uri="{91240B29-F687-4f45-9708-019B960494DF}">
-                  <a14:hiddenLine xmlns="" xmlns:a14="http://schemas.microsoft.com/office/drawing/2010/main" w="9525">
+                  <a14:hiddenLine xmlns:a14="http://schemas.microsoft.com/office/drawing/2010/main" xmlns="" w="9525">
                     <a:solidFill>
                       <a:srgbClr val="000000"/>
                     </a:solidFill>
@@ -11549,7 +11550,7 @@
               </a:ln>
               <a:extLst>
                 <a:ext uri="{91240B29-F687-4f45-9708-019B960494DF}">
-                  <a14:hiddenLine xmlns="" xmlns:a14="http://schemas.microsoft.com/office/drawing/2010/main" w="9525">
+                  <a14:hiddenLine xmlns:a14="http://schemas.microsoft.com/office/drawing/2010/main" xmlns="" w="9525">
                     <a:solidFill>
                       <a:srgbClr val="000000"/>
                     </a:solidFill>
@@ -11639,7 +11640,7 @@
               </a:ln>
               <a:extLst>
                 <a:ext uri="{91240B29-F687-4f45-9708-019B960494DF}">
-                  <a14:hiddenLine xmlns="" xmlns:a14="http://schemas.microsoft.com/office/drawing/2010/main" w="9525">
+                  <a14:hiddenLine xmlns:a14="http://schemas.microsoft.com/office/drawing/2010/main" xmlns="" w="9525">
                     <a:solidFill>
                       <a:srgbClr val="000000"/>
                     </a:solidFill>
@@ -11704,7 +11705,7 @@
               </a:ln>
               <a:extLst>
                 <a:ext uri="{91240B29-F687-4f45-9708-019B960494DF}">
-                  <a14:hiddenLine xmlns="" xmlns:a14="http://schemas.microsoft.com/office/drawing/2010/main" w="9525">
+                  <a14:hiddenLine xmlns:a14="http://schemas.microsoft.com/office/drawing/2010/main" xmlns="" w="9525">
                     <a:solidFill>
                       <a:srgbClr val="000000"/>
                     </a:solidFill>
@@ -11824,7 +11825,7 @@
               </a:ln>
               <a:extLst>
                 <a:ext uri="{91240B29-F687-4f45-9708-019B960494DF}">
-                  <a14:hiddenLine xmlns="" xmlns:a14="http://schemas.microsoft.com/office/drawing/2010/main" w="9525">
+                  <a14:hiddenLine xmlns:a14="http://schemas.microsoft.com/office/drawing/2010/main" xmlns="" w="9525">
                     <a:solidFill>
                       <a:srgbClr val="000000"/>
                     </a:solidFill>
@@ -11905,7 +11906,7 @@
               </a:ln>
               <a:extLst>
                 <a:ext uri="{91240B29-F687-4f45-9708-019B960494DF}">
-                  <a14:hiddenLine xmlns="" xmlns:a14="http://schemas.microsoft.com/office/drawing/2010/main" w="9525">
+                  <a14:hiddenLine xmlns:a14="http://schemas.microsoft.com/office/drawing/2010/main" xmlns="" w="9525">
                     <a:solidFill>
                       <a:srgbClr val="000000"/>
                     </a:solidFill>
@@ -12020,7 +12021,7 @@
               </a:ln>
               <a:extLst>
                 <a:ext uri="{91240B29-F687-4f45-9708-019B960494DF}">
-                  <a14:hiddenLine xmlns="" xmlns:a14="http://schemas.microsoft.com/office/drawing/2010/main" w="9525">
+                  <a14:hiddenLine xmlns:a14="http://schemas.microsoft.com/office/drawing/2010/main" xmlns="" w="9525">
                     <a:solidFill>
                       <a:srgbClr val="000000"/>
                     </a:solidFill>
@@ -12110,7 +12111,7 @@
               </a:ln>
               <a:extLst>
                 <a:ext uri="{91240B29-F687-4f45-9708-019B960494DF}">
-                  <a14:hiddenLine xmlns="" xmlns:a14="http://schemas.microsoft.com/office/drawing/2010/main" w="9525">
+                  <a14:hiddenLine xmlns:a14="http://schemas.microsoft.com/office/drawing/2010/main" xmlns="" w="9525">
                     <a:solidFill>
                       <a:srgbClr val="000000"/>
                     </a:solidFill>
@@ -12175,7 +12176,7 @@
               </a:ln>
               <a:extLst>
                 <a:ext uri="{91240B29-F687-4f45-9708-019B960494DF}">
-                  <a14:hiddenLine xmlns="" xmlns:a14="http://schemas.microsoft.com/office/drawing/2010/main" w="9525">
+                  <a14:hiddenLine xmlns:a14="http://schemas.microsoft.com/office/drawing/2010/main" xmlns="" w="9525">
                     <a:solidFill>
                       <a:srgbClr val="000000"/>
                     </a:solidFill>
@@ -12265,7 +12266,7 @@
               </a:ln>
               <a:extLst>
                 <a:ext uri="{91240B29-F687-4f45-9708-019B960494DF}">
-                  <a14:hiddenLine xmlns="" xmlns:a14="http://schemas.microsoft.com/office/drawing/2010/main" w="9525">
+                  <a14:hiddenLine xmlns:a14="http://schemas.microsoft.com/office/drawing/2010/main" xmlns="" w="9525">
                     <a:solidFill>
                       <a:srgbClr val="000000"/>
                     </a:solidFill>
@@ -12333,7 +12334,7 @@
               </a:ln>
               <a:extLst>
                 <a:ext uri="{91240B29-F687-4f45-9708-019B960494DF}">
-                  <a14:hiddenLine xmlns="" xmlns:a14="http://schemas.microsoft.com/office/drawing/2010/main" w="9525">
+                  <a14:hiddenLine xmlns:a14="http://schemas.microsoft.com/office/drawing/2010/main" xmlns="" w="9525">
                     <a:solidFill>
                       <a:srgbClr val="000000"/>
                     </a:solidFill>
@@ -12423,7 +12424,7 @@
               </a:ln>
               <a:extLst>
                 <a:ext uri="{91240B29-F687-4f45-9708-019B960494DF}">
-                  <a14:hiddenLine xmlns="" xmlns:a14="http://schemas.microsoft.com/office/drawing/2010/main" w="9525">
+                  <a14:hiddenLine xmlns:a14="http://schemas.microsoft.com/office/drawing/2010/main" xmlns="" w="9525">
                     <a:solidFill>
                       <a:srgbClr val="000000"/>
                     </a:solidFill>
@@ -12491,7 +12492,7 @@
               </a:ln>
               <a:extLst>
                 <a:ext uri="{91240B29-F687-4f45-9708-019B960494DF}">
-                  <a14:hiddenLine xmlns="" xmlns:a14="http://schemas.microsoft.com/office/drawing/2010/main" w="9525">
+                  <a14:hiddenLine xmlns:a14="http://schemas.microsoft.com/office/drawing/2010/main" xmlns="" w="9525">
                     <a:solidFill>
                       <a:srgbClr val="000000"/>
                     </a:solidFill>
@@ -12581,7 +12582,7 @@
               </a:ln>
               <a:extLst>
                 <a:ext uri="{91240B29-F687-4f45-9708-019B960494DF}">
-                  <a14:hiddenLine xmlns="" xmlns:a14="http://schemas.microsoft.com/office/drawing/2010/main" w="9525">
+                  <a14:hiddenLine xmlns:a14="http://schemas.microsoft.com/office/drawing/2010/main" xmlns="" w="9525">
                     <a:solidFill>
                       <a:srgbClr val="000000"/>
                     </a:solidFill>
@@ -12615,7 +12616,7 @@
               </a:ln>
               <a:extLst>
                 <a:ext uri="{91240B29-F687-4f45-9708-019B960494DF}">
-                  <a14:hiddenLine xmlns="" xmlns:a14="http://schemas.microsoft.com/office/drawing/2010/main" w="9525">
+                  <a14:hiddenLine xmlns:a14="http://schemas.microsoft.com/office/drawing/2010/main" xmlns="" w="9525">
                     <a:solidFill>
                       <a:srgbClr val="000000"/>
                     </a:solidFill>
@@ -12756,7 +12757,7 @@
             <a:pPr rtl="0"/>
             <a:fld id="{0B1C55FA-99E2-4221-8083-01517F2C3AC3}" type="datetime1">
               <a:rPr lang="pt-BR" noProof="0" smtClean="0"/>
-              <a:t>01/08/2023</a:t>
+              <a:t>02/09/2023</a:t>
             </a:fld>
             <a:endParaRPr lang="pt-BR" noProof="0" dirty="0"/>
           </a:p>
@@ -13185,7 +13186,7 @@
           <p:cNvPr id="2" name="Título 1">
             <a:extLst>
               <a:ext uri="{FF2B5EF4-FFF2-40B4-BE49-F238E27FC236}">
-                <a16:creationId xmlns="" xmlns:a16="http://schemas.microsoft.com/office/drawing/2014/main" id="{8268D3E5-C7A3-47DF-A374-46BF83A69904}"/>
+                <a16:creationId xmlns:a16="http://schemas.microsoft.com/office/drawing/2014/main" xmlns="" id="{8268D3E5-C7A3-47DF-A374-46BF83A69904}"/>
               </a:ext>
             </a:extLst>
           </p:cNvPr>
@@ -13216,7 +13217,7 @@
               </a:rPr>
             </a:br>
             <a:r>
-              <a:rPr lang="pt-BR" sz="5400" dirty="0" err="1" smtClean="0">
+              <a:rPr lang="pt-BR" sz="5400" dirty="0" smtClean="0">
                 <a:latin typeface="Rockwell" panose="02060603020205020403" pitchFamily="18" charset="0"/>
               </a:rPr>
               <a:t>java</a:t>
@@ -20695,6 +20696,115 @@
     <p:extLst>
       <p:ext uri="{BB962C8B-B14F-4D97-AF65-F5344CB8AC3E}">
         <p14:creationId xmlns:p14="http://schemas.microsoft.com/office/powerpoint/2010/main" val="2706221221"/>
+      </p:ext>
+    </p:extLst>
+  </p:cSld>
+  <p:clrMapOvr>
+    <a:masterClrMapping/>
+  </p:clrMapOvr>
+</p:sld>
+</file>
+
+<file path=ppt/slides/slide35.xml><?xml version="1.0" encoding="utf-8"?>
+<p:sld xmlns:a="http://schemas.openxmlformats.org/drawingml/2006/main" xmlns:r="http://schemas.openxmlformats.org/officeDocument/2006/relationships" xmlns:p="http://schemas.openxmlformats.org/presentationml/2006/main">
+  <p:cSld>
+    <p:spTree>
+      <p:nvGrpSpPr>
+        <p:cNvPr id="1" name=""/>
+        <p:cNvGrpSpPr/>
+        <p:nvPr/>
+      </p:nvGrpSpPr>
+      <p:grpSpPr>
+        <a:xfrm>
+          <a:off x="0" y="0"/>
+          <a:ext cx="0" cy="0"/>
+          <a:chOff x="0" y="0"/>
+          <a:chExt cx="0" cy="0"/>
+        </a:xfrm>
+      </p:grpSpPr>
+      <p:sp>
+        <p:nvSpPr>
+          <p:cNvPr id="4" name="Retângulo 3"/>
+          <p:cNvSpPr/>
+          <p:nvPr/>
+        </p:nvSpPr>
+        <p:spPr>
+          <a:xfrm>
+            <a:off x="4550407" y="249187"/>
+            <a:ext cx="3116239" cy="923330"/>
+          </a:xfrm>
+          <a:prstGeom prst="rect">
+            <a:avLst/>
+          </a:prstGeom>
+          <a:noFill/>
+        </p:spPr>
+        <p:txBody>
+          <a:bodyPr wrap="none" lIns="91440" tIns="45720" rIns="91440" bIns="45720">
+            <a:spAutoFit/>
+          </a:bodyPr>
+          <a:lstStyle/>
+          <a:p>
+            <a:pPr algn="ctr"/>
+            <a:r>
+              <a:rPr lang="pt-BR" sz="5400" b="0" cap="none" spc="0" dirty="0" smtClean="0">
+                <a:ln w="0"/>
+                <a:solidFill>
+                  <a:schemeClr val="tx1"/>
+                </a:solidFill>
+                <a:effectLst>
+                  <a:outerShdw blurRad="38100" dist="19050" dir="2700000" algn="tl" rotWithShape="0">
+                    <a:schemeClr val="dk1">
+                      <a:alpha val="40000"/>
+                    </a:schemeClr>
+                  </a:outerShdw>
+                </a:effectLst>
+              </a:rPr>
+              <a:t>Era Eclipse</a:t>
+            </a:r>
+            <a:endParaRPr lang="pt-BR" sz="5400" b="0" cap="none" spc="0" dirty="0">
+              <a:ln w="0"/>
+              <a:solidFill>
+                <a:schemeClr val="tx1"/>
+              </a:solidFill>
+              <a:effectLst>
+                <a:outerShdw blurRad="38100" dist="19050" dir="2700000" algn="tl" rotWithShape="0">
+                  <a:schemeClr val="dk1">
+                    <a:alpha val="40000"/>
+                  </a:schemeClr>
+                </a:outerShdw>
+              </a:effectLst>
+            </a:endParaRPr>
+          </a:p>
+        </p:txBody>
+      </p:sp>
+      <p:pic>
+        <p:nvPicPr>
+          <p:cNvPr id="5" name="Imagem 4"/>
+          <p:cNvPicPr>
+            <a:picLocks noChangeAspect="1"/>
+          </p:cNvPicPr>
+          <p:nvPr/>
+        </p:nvPicPr>
+        <p:blipFill>
+          <a:blip r:embed="rId2"/>
+          <a:stretch>
+            <a:fillRect/>
+          </a:stretch>
+        </p:blipFill>
+        <p:spPr>
+          <a:xfrm>
+            <a:off x="2755726" y="1277544"/>
+            <a:ext cx="7087794" cy="4991732"/>
+          </a:xfrm>
+          <a:prstGeom prst="rect">
+            <a:avLst/>
+          </a:prstGeom>
+        </p:spPr>
+      </p:pic>
+    </p:spTree>
+    <p:extLst>
+      <p:ext uri="{BB962C8B-B14F-4D97-AF65-F5344CB8AC3E}">
+        <p14:creationId xmlns:p14="http://schemas.microsoft.com/office/powerpoint/2010/main" val="4148895357"/>
       </p:ext>
     </p:extLst>
   </p:cSld>
